--- a/templates.pptx
+++ b/templates.pptx
@@ -250,7 +250,7 @@
             <a:fld id="{DBE161C2-C5B8-41DA-8284-9CDA50AA1DF7}" type="datetimeFigureOut">
               <a:rPr lang="ko-KR" altLang="en-US" smtClean="0"/>
               <a:pPr/>
-              <a:t>2025-09-30</a:t>
+              <a:t>2025-10-14</a:t>
             </a:fld>
             <a:endParaRPr lang="ko-KR" altLang="en-US"/>
           </a:p>
@@ -934,7 +934,7 @@
           <a:p>
             <a:fld id="{2A7723B4-71D4-4473-9345-021C0AA740FA}" type="datetime1">
               <a:rPr lang="ko-KR" altLang="en-US" smtClean="0"/>
-              <a:t>2025-09-30</a:t>
+              <a:t>2025-10-14</a:t>
             </a:fld>
             <a:endParaRPr lang="ko-KR" altLang="en-US"/>
           </a:p>
@@ -1108,7 +1108,7 @@
           <a:p>
             <a:fld id="{A55C200A-4A58-4EEA-BD55-F1472956303C}" type="datetime1">
               <a:rPr lang="ko-KR" altLang="en-US" smtClean="0"/>
-              <a:t>2025-09-30</a:t>
+              <a:t>2025-10-14</a:t>
             </a:fld>
             <a:endParaRPr lang="ko-KR" altLang="en-US"/>
           </a:p>
@@ -1241,7 +1241,7 @@
           <a:p>
             <a:fld id="{6A12930B-342A-4459-8E32-72E85DC8C37B}" type="datetime1">
               <a:rPr lang="ko-KR" altLang="en-US" smtClean="0"/>
-              <a:t>2025-09-30</a:t>
+              <a:t>2025-10-14</a:t>
             </a:fld>
             <a:endParaRPr lang="ko-KR" altLang="en-US"/>
           </a:p>
@@ -1560,7 +1560,7 @@
           <a:p>
             <a:fld id="{20F2B870-CBA3-41F2-8742-B42920DC51B8}" type="datetime1">
               <a:rPr lang="ko-KR" altLang="en-US" smtClean="0"/>
-              <a:t>2025-09-30</a:t>
+              <a:t>2025-10-14</a:t>
             </a:fld>
             <a:endParaRPr lang="ko-KR" altLang="en-US"/>
           </a:p>
@@ -1841,7 +1841,7 @@
           <a:p>
             <a:fld id="{60EA5941-B06B-4B23-AB30-6539E7B49EE4}" type="datetime1">
               <a:rPr lang="ko-KR" altLang="en-US" smtClean="0"/>
-              <a:t>2025-09-30</a:t>
+              <a:t>2025-10-14</a:t>
             </a:fld>
             <a:endParaRPr lang="ko-KR" altLang="en-US"/>
           </a:p>
@@ -2256,7 +2256,7 @@
           <a:p>
             <a:fld id="{E9B596F9-879C-4245-BF16-201E241FCE57}" type="datetime1">
               <a:rPr lang="ko-KR" altLang="en-US" smtClean="0"/>
-              <a:t>2025-09-30</a:t>
+              <a:t>2025-10-14</a:t>
             </a:fld>
             <a:endParaRPr lang="ko-KR" altLang="en-US"/>
           </a:p>
@@ -2369,7 +2369,7 @@
           <a:p>
             <a:fld id="{AEA00AAF-AABF-440F-92E4-42E4C50AE21F}" type="datetime1">
               <a:rPr lang="ko-KR" altLang="en-US" smtClean="0"/>
-              <a:t>2025-09-30</a:t>
+              <a:t>2025-10-14</a:t>
             </a:fld>
             <a:endParaRPr lang="ko-KR" altLang="en-US"/>
           </a:p>
@@ -2460,7 +2460,7 @@
           <a:p>
             <a:fld id="{BEED23F0-A1A5-4FDB-95AB-E0D85EA6102A}" type="datetime1">
               <a:rPr lang="ko-KR" altLang="en-US" smtClean="0"/>
-              <a:t>2025-09-30</a:t>
+              <a:t>2025-10-14</a:t>
             </a:fld>
             <a:endParaRPr lang="ko-KR" altLang="en-US"/>
           </a:p>
@@ -2731,7 +2731,7 @@
           <a:p>
             <a:fld id="{5ECCF48B-4A21-44CA-AF0D-5D55314C5B1D}" type="datetime1">
               <a:rPr lang="ko-KR" altLang="en-US" smtClean="0"/>
-              <a:t>2025-09-30</a:t>
+              <a:t>2025-10-14</a:t>
             </a:fld>
             <a:endParaRPr lang="ko-KR" altLang="en-US"/>
           </a:p>
@@ -2979,7 +2979,7 @@
           <a:p>
             <a:fld id="{EE6BD385-EF39-4ED9-943E-8F017AA47F24}" type="datetime1">
               <a:rPr lang="ko-KR" altLang="en-US" smtClean="0"/>
-              <a:t>2025-09-30</a:t>
+              <a:t>2025-10-14</a:t>
             </a:fld>
             <a:endParaRPr lang="ko-KR" altLang="en-US"/>
           </a:p>
@@ -3186,7 +3186,7 @@
           <a:p>
             <a:fld id="{44CBDD14-6EC6-4EE6-AC0C-E9428A266B66}" type="datetime1">
               <a:rPr lang="ko-KR" altLang="en-US" smtClean="0"/>
-              <a:t>2025-09-30</a:t>
+              <a:t>2025-10-14</a:t>
             </a:fld>
             <a:endParaRPr lang="ko-KR" altLang="en-US"/>
           </a:p>
@@ -3713,31 +3713,24 @@
           <p:nvPr>
             <p:extLst>
               <p:ext uri="{D42A27DB-BD31-4B8C-83A1-F6EECF244321}">
-                <p14:modId xmlns:p14="http://schemas.microsoft.com/office/powerpoint/2010/main" val="2531351249"/>
+                <p14:modId xmlns:p14="http://schemas.microsoft.com/office/powerpoint/2010/main" val="3240261990"/>
               </p:ext>
             </p:extLst>
           </p:nvPr>
         </p:nvGraphicFramePr>
         <p:xfrm>
           <a:off x="200026" y="764705"/>
-          <a:ext cx="9245788" cy="5740781"/>
+          <a:ext cx="9245788" cy="4392300"/>
         </p:xfrm>
         <a:graphic>
           <a:graphicData uri="http://schemas.openxmlformats.org/drawingml/2006/table">
             <a:tbl>
               <a:tblPr/>
               <a:tblGrid>
-                <a:gridCol w="386560">
+                <a:gridCol w="741468">
                   <a:extLst>
                     <a:ext uri="{9D8B030D-6E8A-4147-A177-3AD203B41FA5}">
                       <a16:colId xmlns:a16="http://schemas.microsoft.com/office/drawing/2014/main" val="20000"/>
-                    </a:ext>
-                  </a:extLst>
-                </a:gridCol>
-                <a:gridCol w="354908">
-                  <a:extLst>
-                    <a:ext uri="{9D8B030D-6E8A-4147-A177-3AD203B41FA5}">
-                      <a16:colId xmlns:a16="http://schemas.microsoft.com/office/drawing/2014/main" val="1213828694"/>
                     </a:ext>
                   </a:extLst>
                 </a:gridCol>
@@ -3757,7 +3750,7 @@
                 </a:gridCol>
               </a:tblGrid>
               <a:tr h="304385">
-                <a:tc gridSpan="2">
+                <a:tc>
                   <a:txBody>
                     <a:bodyPr/>
                     <a:lstStyle/>
@@ -3787,86 +3780,13 @@
                           <a:latin typeface="맑은 고딕" pitchFamily="50" charset="-127"/>
                           <a:ea typeface="맑은 고딕" pitchFamily="50" charset="-127"/>
                         </a:rPr>
-                        <a:t>구분</a:t>
+                        <a:t>담당자</a:t>
                       </a:r>
                     </a:p>
                   </a:txBody>
                   <a:tcPr marL="0" marR="0" marT="0" marB="0" anchor="ctr">
                     <a:lnL w="12700" cap="flat" cmpd="sng" algn="ctr">
                       <a:noFill/>
-                      <a:prstDash val="solid"/>
-                      <a:round/>
-                      <a:headEnd type="none" w="med" len="med"/>
-                      <a:tailEnd type="none" w="med" len="med"/>
-                    </a:lnL>
-                    <a:lnR w="12700" cap="flat" cmpd="sng" algn="ctr">
-                      <a:solidFill>
-                        <a:schemeClr val="bg1"/>
-                      </a:solidFill>
-                      <a:prstDash val="solid"/>
-                      <a:round/>
-                      <a:headEnd type="none" w="med" len="med"/>
-                      <a:tailEnd type="none" w="med" len="med"/>
-                    </a:lnR>
-                    <a:lnT w="12700" cap="flat" cmpd="sng" algn="ctr">
-                      <a:solidFill>
-                        <a:schemeClr val="tx1"/>
-                      </a:solidFill>
-                      <a:prstDash val="solid"/>
-                      <a:round/>
-                      <a:headEnd type="none" w="med" len="med"/>
-                      <a:tailEnd type="none" w="med" len="med"/>
-                    </a:lnT>
-                    <a:lnB w="12700" cap="flat" cmpd="sng" algn="ctr">
-                      <a:solidFill>
-                        <a:schemeClr val="bg1"/>
-                      </a:solidFill>
-                      <a:prstDash val="solid"/>
-                      <a:round/>
-                      <a:headEnd type="none" w="med" len="med"/>
-                      <a:tailEnd type="none" w="med" len="med"/>
-                    </a:lnB>
-                    <a:solidFill>
-                      <a:schemeClr val="tx2"/>
-                    </a:solidFill>
-                  </a:tcPr>
-                </a:tc>
-                <a:tc hMerge="1">
-                  <a:txBody>
-                    <a:bodyPr/>
-                    <a:lstStyle/>
-                    <a:p>
-                      <a:pPr marL="0" marR="0" indent="0" algn="ctr" defTabSz="914400" rtl="0" eaLnBrk="1" fontAlgn="auto" latinLnBrk="1" hangingPunct="1">
-                        <a:lnSpc>
-                          <a:spcPct val="100000"/>
-                        </a:lnSpc>
-                        <a:spcBef>
-                          <a:spcPts val="0"/>
-                        </a:spcBef>
-                        <a:spcAft>
-                          <a:spcPts val="0"/>
-                        </a:spcAft>
-                        <a:buClrTx/>
-                        <a:buSzTx/>
-                        <a:buFontTx/>
-                        <a:buNone/>
-                        <a:tabLst/>
-                        <a:defRPr/>
-                      </a:pPr>
-                      <a:endParaRPr lang="ko-KR" altLang="en-US" sz="1300" b="1" dirty="0">
-                        <a:solidFill>
-                          <a:schemeClr val="bg1"/>
-                        </a:solidFill>
-                        <a:latin typeface="맑은 고딕" pitchFamily="50" charset="-127"/>
-                        <a:ea typeface="맑은 고딕" pitchFamily="50" charset="-127"/>
-                      </a:endParaRPr>
-                    </a:p>
-                  </a:txBody>
-                  <a:tcPr marL="0" marR="0" marT="0" marB="0" anchor="ctr">
-                    <a:lnL w="12700" cap="flat" cmpd="sng" algn="ctr">
-                      <a:solidFill>
-                        <a:schemeClr val="bg1"/>
-                      </a:solidFill>
                       <a:prstDash val="solid"/>
                       <a:round/>
                       <a:headEnd type="none" w="med" len="med"/>
@@ -3925,7 +3845,7 @@
                           <a:effectLst/>
                           <a:latin typeface="Arial" panose="020B0604020202020204" pitchFamily="34" charset="0"/>
                         </a:rPr>
-                        <a:t>실적 </a:t>
+                        <a:t>금주 실적 </a:t>
                       </a:r>
                       <a:r>
                         <a:rPr lang="en-US" altLang="ko-KR" sz="1200" b="1" i="0" u="none" strike="noStrike" dirty="0">
@@ -4002,7 +3922,7 @@
                           <a:effectLst/>
                           <a:latin typeface="Arial" panose="020B0604020202020204" pitchFamily="34" charset="0"/>
                         </a:rPr>
-                        <a:t>계획 </a:t>
+                        <a:t>차주 계획 </a:t>
                       </a:r>
                       <a:r>
                         <a:rPr lang="en-US" altLang="ko-KR" sz="1200" b="1" i="0" u="none" strike="noStrike" dirty="0">
@@ -4066,7 +3986,7 @@
                 </a:extLst>
               </a:tr>
               <a:tr h="4082420">
-                <a:tc gridSpan="2">
+                <a:tc>
                   <a:txBody>
                     <a:bodyPr/>
                     <a:lstStyle/>
@@ -4093,28 +4013,14 @@
                           <a:latin typeface="+mn-ea"/>
                           <a:ea typeface="+mn-ea"/>
                         </a:rPr>
-                        <a:t>IT</a:t>
+                        <a:t>A</a:t>
                       </a:r>
                       <a:r>
                         <a:rPr lang="ko-KR" altLang="en-US" sz="1200" b="1" dirty="0">
                           <a:latin typeface="+mn-ea"/>
                           <a:ea typeface="+mn-ea"/>
                         </a:rPr>
-                        <a:t>서비스</a:t>
-                      </a:r>
-                      <a:r>
-                        <a:rPr lang="en-US" altLang="ko-KR" sz="1200" b="1" dirty="0">
-                          <a:latin typeface="+mn-ea"/>
-                          <a:ea typeface="+mn-ea"/>
-                        </a:rPr>
-                        <a:t>2</a:t>
-                      </a:r>
-                      <a:r>
-                        <a:rPr lang="ko-KR" altLang="en-US" sz="1200" b="1" dirty="0">
-                          <a:latin typeface="+mn-ea"/>
-                          <a:ea typeface="+mn-ea"/>
-                        </a:rPr>
-                        <a:t>팀</a:t>
+                        <a:t>담당</a:t>
                       </a:r>
                       <a:endParaRPr lang="en-US" altLang="ko-KR" sz="1200" b="1" dirty="0">
                         <a:latin typeface="+mn-ea"/>
@@ -4155,82 +4061,6 @@
                         <a:schemeClr val="bg1">
                           <a:lumMod val="75000"/>
                         </a:schemeClr>
-                      </a:solidFill>
-                      <a:prstDash val="solid"/>
-                      <a:round/>
-                      <a:headEnd type="none" w="med" len="med"/>
-                      <a:tailEnd type="none" w="med" len="med"/>
-                    </a:lnB>
-                    <a:solidFill>
-                      <a:schemeClr val="accent1">
-                        <a:lumMod val="20000"/>
-                        <a:lumOff val="80000"/>
-                      </a:schemeClr>
-                    </a:solidFill>
-                  </a:tcPr>
-                </a:tc>
-                <a:tc hMerge="1">
-                  <a:txBody>
-                    <a:bodyPr/>
-                    <a:lstStyle/>
-                    <a:p>
-                      <a:pPr marL="0" marR="0" lvl="0" indent="0" algn="ctr" defTabSz="914400" rtl="0" eaLnBrk="1" fontAlgn="auto" latinLnBrk="1" hangingPunct="1">
-                        <a:lnSpc>
-                          <a:spcPct val="100000"/>
-                        </a:lnSpc>
-                        <a:spcBef>
-                          <a:spcPts val="0"/>
-                        </a:spcBef>
-                        <a:spcAft>
-                          <a:spcPts val="0"/>
-                        </a:spcAft>
-                        <a:buClrTx/>
-                        <a:buSzTx/>
-                        <a:buFontTx/>
-                        <a:buNone/>
-                        <a:tabLst/>
-                        <a:defRPr/>
-                      </a:pPr>
-                      <a:endParaRPr lang="en-US" altLang="ko-KR" sz="1100" b="1" dirty="0"/>
-                    </a:p>
-                  </a:txBody>
-                  <a:tcPr marL="72000" marR="72000" marT="72000" marB="72000" anchor="ctr">
-                    <a:lnL w="6350" cap="flat" cmpd="sng" algn="ctr">
-                      <a:solidFill>
-                        <a:schemeClr val="tx1">
-                          <a:lumMod val="50000"/>
-                          <a:lumOff val="50000"/>
-                        </a:schemeClr>
-                      </a:solidFill>
-                      <a:prstDash val="solid"/>
-                      <a:round/>
-                      <a:headEnd type="none" w="med" len="med"/>
-                      <a:tailEnd type="none" w="med" len="med"/>
-                    </a:lnL>
-                    <a:lnR w="6350" cap="flat" cmpd="sng" algn="ctr">
-                      <a:solidFill>
-                        <a:schemeClr val="tx1">
-                          <a:lumMod val="50000"/>
-                          <a:lumOff val="50000"/>
-                        </a:schemeClr>
-                      </a:solidFill>
-                      <a:prstDash val="solid"/>
-                      <a:round/>
-                      <a:headEnd type="none" w="med" len="med"/>
-                      <a:tailEnd type="none" w="med" len="med"/>
-                    </a:lnR>
-                    <a:lnT w="12700" cap="flat" cmpd="sng" algn="ctr">
-                      <a:solidFill>
-                        <a:schemeClr val="bg1"/>
-                      </a:solidFill>
-                      <a:prstDash val="solid"/>
-                      <a:round/>
-                      <a:headEnd type="none" w="med" len="med"/>
-                      <a:tailEnd type="none" w="med" len="med"/>
-                    </a:lnT>
-                    <a:lnB w="12700" cap="flat" cmpd="sng" algn="ctr">
-                      <a:solidFill>
-                        <a:schemeClr val="bg1"/>
                       </a:solidFill>
                       <a:prstDash val="solid"/>
                       <a:round/>
@@ -5999,618 +5829,6 @@
                 <a:extLst>
                   <a:ext uri="{0D108BD9-81ED-4DB2-BD59-A6C34878D82A}">
                     <a16:rowId xmlns:a16="http://schemas.microsoft.com/office/drawing/2014/main" val="10001"/>
-                  </a:ext>
-                </a:extLst>
-              </a:tr>
-              <a:tr h="525521">
-                <a:tc gridSpan="2">
-                  <a:txBody>
-                    <a:bodyPr/>
-                    <a:lstStyle/>
-                    <a:p>
-                      <a:pPr marL="0" marR="0" lvl="0" indent="0" algn="ctr" defTabSz="914400" rtl="0" eaLnBrk="1" fontAlgn="auto" latinLnBrk="1" hangingPunct="1">
-                        <a:lnSpc>
-                          <a:spcPct val="100000"/>
-                        </a:lnSpc>
-                        <a:spcBef>
-                          <a:spcPts val="0"/>
-                        </a:spcBef>
-                        <a:spcAft>
-                          <a:spcPts val="0"/>
-                        </a:spcAft>
-                        <a:buClrTx/>
-                        <a:buSzTx/>
-                        <a:buFontTx/>
-                        <a:buNone/>
-                        <a:tabLst/>
-                        <a:defRPr/>
-                      </a:pPr>
-                      <a:r>
-                        <a:rPr lang="ko-KR" altLang="en-US" sz="1200" b="1" kern="1200" dirty="0">
-                          <a:solidFill>
-                            <a:schemeClr val="tx1"/>
-                          </a:solidFill>
-                          <a:latin typeface="+mn-ea"/>
-                          <a:ea typeface="+mn-ea"/>
-                          <a:cs typeface="+mn-cs"/>
-                        </a:rPr>
-                        <a:t>계약</a:t>
-                      </a:r>
-                      <a:endParaRPr lang="en-US" altLang="ko-KR" sz="1200" b="1" kern="1200" dirty="0">
-                        <a:solidFill>
-                          <a:schemeClr val="tx1"/>
-                        </a:solidFill>
-                        <a:latin typeface="+mn-ea"/>
-                        <a:ea typeface="+mn-ea"/>
-                        <a:cs typeface="+mn-cs"/>
-                      </a:endParaRPr>
-                    </a:p>
-                    <a:p>
-                      <a:pPr marL="0" marR="0" lvl="0" indent="0" algn="ctr" defTabSz="914400" rtl="0" eaLnBrk="1" fontAlgn="auto" latinLnBrk="1" hangingPunct="1">
-                        <a:lnSpc>
-                          <a:spcPct val="100000"/>
-                        </a:lnSpc>
-                        <a:spcBef>
-                          <a:spcPts val="0"/>
-                        </a:spcBef>
-                        <a:spcAft>
-                          <a:spcPts val="0"/>
-                        </a:spcAft>
-                        <a:buClrTx/>
-                        <a:buSzTx/>
-                        <a:buFontTx/>
-                        <a:buNone/>
-                        <a:tabLst/>
-                        <a:defRPr/>
-                      </a:pPr>
-                      <a:r>
-                        <a:rPr lang="ko-KR" altLang="en-US" sz="1200" b="1" kern="1200" dirty="0">
-                          <a:solidFill>
-                            <a:schemeClr val="tx1"/>
-                          </a:solidFill>
-                          <a:latin typeface="+mn-ea"/>
-                          <a:ea typeface="+mn-ea"/>
-                          <a:cs typeface="+mn-cs"/>
-                        </a:rPr>
-                        <a:t>사항</a:t>
-                      </a:r>
-                    </a:p>
-                  </a:txBody>
-                  <a:tcPr marT="72000" marB="72000" anchor="ctr">
-                    <a:lnL w="12700" cap="flat" cmpd="sng" algn="ctr">
-                      <a:noFill/>
-                      <a:prstDash val="solid"/>
-                      <a:round/>
-                      <a:headEnd type="none" w="med" len="med"/>
-                      <a:tailEnd type="none" w="med" len="med"/>
-                    </a:lnL>
-                    <a:lnR w="12700" cap="flat" cmpd="sng" algn="ctr">
-                      <a:solidFill>
-                        <a:schemeClr val="bg1">
-                          <a:lumMod val="75000"/>
-                        </a:schemeClr>
-                      </a:solidFill>
-                      <a:prstDash val="solid"/>
-                      <a:round/>
-                      <a:headEnd type="none" w="med" len="med"/>
-                      <a:tailEnd type="none" w="med" len="med"/>
-                    </a:lnR>
-                    <a:lnT w="12700" cap="flat" cmpd="sng" algn="ctr">
-                      <a:solidFill>
-                        <a:schemeClr val="bg1">
-                          <a:lumMod val="75000"/>
-                        </a:schemeClr>
-                      </a:solidFill>
-                      <a:prstDash val="solid"/>
-                      <a:round/>
-                      <a:headEnd type="none" w="med" len="med"/>
-                      <a:tailEnd type="none" w="med" len="med"/>
-                    </a:lnT>
-                    <a:lnB w="12700" cap="flat" cmpd="sng" algn="ctr">
-                      <a:solidFill>
-                        <a:schemeClr val="bg1">
-                          <a:lumMod val="75000"/>
-                        </a:schemeClr>
-                      </a:solidFill>
-                      <a:prstDash val="solid"/>
-                      <a:round/>
-                      <a:headEnd type="none" w="med" len="med"/>
-                      <a:tailEnd type="none" w="med" len="med"/>
-                    </a:lnB>
-                    <a:solidFill>
-                      <a:schemeClr val="accent1">
-                        <a:lumMod val="20000"/>
-                        <a:lumOff val="80000"/>
-                      </a:schemeClr>
-                    </a:solidFill>
-                  </a:tcPr>
-                </a:tc>
-                <a:tc hMerge="1">
-                  <a:txBody>
-                    <a:bodyPr/>
-                    <a:lstStyle/>
-                    <a:p>
-                      <a:pPr marL="0" indent="-285750" latinLnBrk="1">
-                        <a:lnSpc>
-                          <a:spcPct val="150000"/>
-                        </a:lnSpc>
-                        <a:spcBef>
-                          <a:spcPts val="600"/>
-                        </a:spcBef>
-                        <a:spcAft>
-                          <a:spcPts val="300"/>
-                        </a:spcAft>
-                        <a:buFont typeface="Wingdings" panose="05000000000000000000" pitchFamily="2" charset="2"/>
-                        <a:buChar char="v"/>
-                      </a:pPr>
-                      <a:endParaRPr lang="en-US" altLang="ko-KR" sz="1300" b="1" u="none" dirty="0"/>
-                    </a:p>
-                  </a:txBody>
-                  <a:tcPr marT="72000" marB="72000" anchor="ctr">
-                    <a:lnL w="6350" cap="flat" cmpd="sng" algn="ctr">
-                      <a:solidFill>
-                        <a:schemeClr val="tx1">
-                          <a:lumMod val="50000"/>
-                          <a:lumOff val="50000"/>
-                        </a:schemeClr>
-                      </a:solidFill>
-                      <a:prstDash val="solid"/>
-                      <a:round/>
-                      <a:headEnd type="none" w="med" len="med"/>
-                      <a:tailEnd type="none" w="med" len="med"/>
-                    </a:lnL>
-                    <a:lnR w="6350" cap="flat" cmpd="sng" algn="ctr">
-                      <a:solidFill>
-                        <a:schemeClr val="tx1">
-                          <a:lumMod val="50000"/>
-                          <a:lumOff val="50000"/>
-                        </a:schemeClr>
-                      </a:solidFill>
-                      <a:prstDash val="solid"/>
-                      <a:round/>
-                      <a:headEnd type="none" w="med" len="med"/>
-                      <a:tailEnd type="none" w="med" len="med"/>
-                    </a:lnR>
-                    <a:lnT w="12700" cap="flat" cmpd="sng" algn="ctr">
-                      <a:solidFill>
-                        <a:schemeClr val="bg1"/>
-                      </a:solidFill>
-                      <a:prstDash val="solid"/>
-                      <a:round/>
-                      <a:headEnd type="none" w="med" len="med"/>
-                      <a:tailEnd type="none" w="med" len="med"/>
-                    </a:lnT>
-                    <a:lnB w="12700" cap="flat" cmpd="sng" algn="ctr">
-                      <a:solidFill>
-                        <a:schemeClr val="bg1"/>
-                      </a:solidFill>
-                      <a:prstDash val="solid"/>
-                      <a:round/>
-                      <a:headEnd type="none" w="med" len="med"/>
-                      <a:tailEnd type="none" w="med" len="med"/>
-                    </a:lnB>
-                    <a:solidFill>
-                      <a:schemeClr val="accent1">
-                        <a:lumMod val="20000"/>
-                        <a:lumOff val="80000"/>
-                      </a:schemeClr>
-                    </a:solidFill>
-                  </a:tcPr>
-                </a:tc>
-                <a:tc gridSpan="2">
-                  <a:txBody>
-                    <a:bodyPr/>
-                    <a:lstStyle/>
-                    <a:p>
-                      <a:pPr fontAlgn="t"/>
-                      <a:endParaRPr lang="ko-KR" altLang="en-US" sz="1100" dirty="0">
-                        <a:effectLst/>
-                        <a:latin typeface="+mn-lt"/>
-                      </a:endParaRPr>
-                    </a:p>
-                  </a:txBody>
-                  <a:tcPr marL="63500" marR="63500" marT="63500" marB="63500">
-                    <a:lnL w="12700" cap="flat" cmpd="sng" algn="ctr">
-                      <a:solidFill>
-                        <a:schemeClr val="bg1">
-                          <a:lumMod val="75000"/>
-                        </a:schemeClr>
-                      </a:solidFill>
-                      <a:prstDash val="solid"/>
-                      <a:round/>
-                      <a:headEnd type="none" w="med" len="med"/>
-                      <a:tailEnd type="none" w="med" len="med"/>
-                    </a:lnL>
-                    <a:lnR w="12700" cap="flat" cmpd="sng" algn="ctr">
-                      <a:noFill/>
-                      <a:prstDash val="solid"/>
-                      <a:round/>
-                      <a:headEnd type="none" w="med" len="med"/>
-                      <a:tailEnd type="none" w="med" len="med"/>
-                    </a:lnR>
-                    <a:lnT w="12700" cap="flat" cmpd="sng" algn="ctr">
-                      <a:solidFill>
-                        <a:schemeClr val="bg1">
-                          <a:lumMod val="75000"/>
-                        </a:schemeClr>
-                      </a:solidFill>
-                      <a:prstDash val="solid"/>
-                      <a:round/>
-                      <a:headEnd type="none" w="med" len="med"/>
-                      <a:tailEnd type="none" w="med" len="med"/>
-                    </a:lnT>
-                    <a:lnB w="12700" cap="flat" cmpd="sng" algn="ctr">
-                      <a:solidFill>
-                        <a:schemeClr val="bg1">
-                          <a:lumMod val="75000"/>
-                        </a:schemeClr>
-                      </a:solidFill>
-                      <a:prstDash val="solid"/>
-                      <a:round/>
-                      <a:headEnd type="none" w="med" len="med"/>
-                      <a:tailEnd type="none" w="med" len="med"/>
-                    </a:lnB>
-                    <a:solidFill>
-                      <a:schemeClr val="bg1"/>
-                    </a:solidFill>
-                  </a:tcPr>
-                </a:tc>
-                <a:tc hMerge="1">
-                  <a:txBody>
-                    <a:bodyPr/>
-                    <a:lstStyle/>
-                    <a:p>
-                      <a:pPr latinLnBrk="1"/>
-                      <a:endParaRPr lang="ko-KR" altLang="en-US"/>
-                    </a:p>
-                  </a:txBody>
-                  <a:tcPr>
-                    <a:lnL w="12700" cap="flat" cmpd="sng" algn="ctr">
-                      <a:solidFill>
-                        <a:schemeClr val="bg1">
-                          <a:lumMod val="75000"/>
-                        </a:schemeClr>
-                      </a:solidFill>
-                      <a:prstDash val="solid"/>
-                      <a:round/>
-                      <a:headEnd type="none" w="med" len="med"/>
-                      <a:tailEnd type="none" w="med" len="med"/>
-                    </a:lnL>
-                    <a:lnR w="12700" cap="flat" cmpd="sng" algn="ctr">
-                      <a:noFill/>
-                      <a:prstDash val="solid"/>
-                      <a:round/>
-                      <a:headEnd type="none" w="med" len="med"/>
-                      <a:tailEnd type="none" w="med" len="med"/>
-                    </a:lnR>
-                    <a:lnT w="12700" cap="flat" cmpd="sng" algn="ctr">
-                      <a:solidFill>
-                        <a:schemeClr val="bg1">
-                          <a:lumMod val="75000"/>
-                        </a:schemeClr>
-                      </a:solidFill>
-                      <a:prstDash val="solid"/>
-                      <a:round/>
-                      <a:headEnd type="none" w="med" len="med"/>
-                      <a:tailEnd type="none" w="med" len="med"/>
-                    </a:lnT>
-                    <a:lnB w="12700" cap="flat" cmpd="sng" algn="ctr">
-                      <a:solidFill>
-                        <a:schemeClr val="bg1">
-                          <a:lumMod val="75000"/>
-                        </a:schemeClr>
-                      </a:solidFill>
-                      <a:prstDash val="solid"/>
-                      <a:round/>
-                      <a:headEnd type="none" w="med" len="med"/>
-                      <a:tailEnd type="none" w="med" len="med"/>
-                    </a:lnB>
-                    <a:solidFill>
-                      <a:schemeClr val="bg1"/>
-                    </a:solidFill>
-                  </a:tcPr>
-                </a:tc>
-                <a:extLst>
-                  <a:ext uri="{0D108BD9-81ED-4DB2-BD59-A6C34878D82A}">
-                    <a16:rowId xmlns:a16="http://schemas.microsoft.com/office/drawing/2014/main" val="1079345138"/>
-                  </a:ext>
-                </a:extLst>
-              </a:tr>
-              <a:tr h="760128">
-                <a:tc>
-                  <a:txBody>
-                    <a:bodyPr/>
-                    <a:lstStyle/>
-                    <a:p>
-                      <a:pPr marL="0" marR="0" lvl="0" indent="0" algn="ctr" defTabSz="914400" rtl="0" eaLnBrk="1" fontAlgn="auto" latinLnBrk="1" hangingPunct="1">
-                        <a:lnSpc>
-                          <a:spcPct val="100000"/>
-                        </a:lnSpc>
-                        <a:spcBef>
-                          <a:spcPts val="0"/>
-                        </a:spcBef>
-                        <a:spcAft>
-                          <a:spcPts val="0"/>
-                        </a:spcAft>
-                        <a:buClrTx/>
-                        <a:buSzTx/>
-                        <a:buFontTx/>
-                        <a:buNone/>
-                        <a:tabLst/>
-                        <a:defRPr/>
-                      </a:pPr>
-                      <a:r>
-                        <a:rPr lang="ko-KR" altLang="en-US" sz="1200" b="1" kern="1200" dirty="0">
-                          <a:solidFill>
-                            <a:schemeClr val="tx1"/>
-                          </a:solidFill>
-                          <a:latin typeface="+mn-ea"/>
-                          <a:ea typeface="+mn-ea"/>
-                          <a:cs typeface="+mn-cs"/>
-                        </a:rPr>
-                        <a:t>해외출장</a:t>
-                      </a:r>
-                    </a:p>
-                  </a:txBody>
-                  <a:tcPr anchor="ctr">
-                    <a:lnL w="12700" cap="flat" cmpd="sng" algn="ctr">
-                      <a:noFill/>
-                      <a:prstDash val="solid"/>
-                      <a:round/>
-                      <a:headEnd type="none" w="med" len="med"/>
-                      <a:tailEnd type="none" w="med" len="med"/>
-                    </a:lnL>
-                    <a:lnR w="12700" cap="flat" cmpd="sng" algn="ctr">
-                      <a:solidFill>
-                        <a:schemeClr val="bg1">
-                          <a:lumMod val="75000"/>
-                        </a:schemeClr>
-                      </a:solidFill>
-                      <a:prstDash val="solid"/>
-                      <a:round/>
-                      <a:headEnd type="none" w="med" len="med"/>
-                      <a:tailEnd type="none" w="med" len="med"/>
-                    </a:lnR>
-                    <a:lnT w="12700" cap="flat" cmpd="sng" algn="ctr">
-                      <a:solidFill>
-                        <a:schemeClr val="bg1">
-                          <a:lumMod val="75000"/>
-                        </a:schemeClr>
-                      </a:solidFill>
-                      <a:prstDash val="solid"/>
-                      <a:round/>
-                      <a:headEnd type="none" w="med" len="med"/>
-                      <a:tailEnd type="none" w="med" len="med"/>
-                    </a:lnT>
-                    <a:lnB w="12700" cap="flat" cmpd="sng" algn="ctr">
-                      <a:solidFill>
-                        <a:schemeClr val="tx1"/>
-                      </a:solidFill>
-                      <a:prstDash val="solid"/>
-                      <a:round/>
-                      <a:headEnd type="none" w="med" len="med"/>
-                      <a:tailEnd type="none" w="med" len="med"/>
-                    </a:lnB>
-                    <a:solidFill>
-                      <a:schemeClr val="accent1">
-                        <a:lumMod val="20000"/>
-                        <a:lumOff val="80000"/>
-                      </a:schemeClr>
-                    </a:solidFill>
-                  </a:tcPr>
-                </a:tc>
-                <a:tc>
-                  <a:txBody>
-                    <a:bodyPr/>
-                    <a:lstStyle/>
-                    <a:p>
-                      <a:pPr marL="0" marR="0" lvl="0" indent="0" algn="ctr" defTabSz="914400" rtl="0" eaLnBrk="1" fontAlgn="auto" latinLnBrk="1" hangingPunct="1">
-                        <a:lnSpc>
-                          <a:spcPct val="100000"/>
-                        </a:lnSpc>
-                        <a:spcBef>
-                          <a:spcPts val="0"/>
-                        </a:spcBef>
-                        <a:spcAft>
-                          <a:spcPts val="0"/>
-                        </a:spcAft>
-                        <a:buClrTx/>
-                        <a:buSzTx/>
-                        <a:buFontTx/>
-                        <a:buNone/>
-                        <a:tabLst/>
-                        <a:defRPr/>
-                      </a:pPr>
-                      <a:r>
-                        <a:rPr lang="ko-KR" altLang="en-US" sz="1200" b="1" kern="1200" dirty="0">
-                          <a:solidFill>
-                            <a:schemeClr val="tx1"/>
-                          </a:solidFill>
-                          <a:latin typeface="+mn-ea"/>
-                          <a:ea typeface="+mn-ea"/>
-                          <a:cs typeface="+mn-cs"/>
-                        </a:rPr>
-                        <a:t>직원</a:t>
-                      </a:r>
-                    </a:p>
-                  </a:txBody>
-                  <a:tcPr marL="0" marR="0" marT="72000" marB="72000" anchor="ctr">
-                    <a:lnL w="12700" cap="flat" cmpd="sng" algn="ctr">
-                      <a:solidFill>
-                        <a:schemeClr val="bg1">
-                          <a:lumMod val="75000"/>
-                        </a:schemeClr>
-                      </a:solidFill>
-                      <a:prstDash val="solid"/>
-                      <a:round/>
-                      <a:headEnd type="none" w="med" len="med"/>
-                      <a:tailEnd type="none" w="med" len="med"/>
-                    </a:lnL>
-                    <a:lnR w="12700" cap="flat" cmpd="sng" algn="ctr">
-                      <a:solidFill>
-                        <a:schemeClr val="bg1">
-                          <a:lumMod val="75000"/>
-                        </a:schemeClr>
-                      </a:solidFill>
-                      <a:prstDash val="solid"/>
-                      <a:round/>
-                      <a:headEnd type="none" w="med" len="med"/>
-                      <a:tailEnd type="none" w="med" len="med"/>
-                    </a:lnR>
-                    <a:lnT w="12700" cap="flat" cmpd="sng" algn="ctr">
-                      <a:solidFill>
-                        <a:schemeClr val="bg1">
-                          <a:lumMod val="75000"/>
-                        </a:schemeClr>
-                      </a:solidFill>
-                      <a:prstDash val="solid"/>
-                      <a:round/>
-                      <a:headEnd type="none" w="med" len="med"/>
-                      <a:tailEnd type="none" w="med" len="med"/>
-                    </a:lnT>
-                    <a:lnB w="12700" cap="flat" cmpd="sng" algn="ctr">
-                      <a:solidFill>
-                        <a:schemeClr val="tx1"/>
-                      </a:solidFill>
-                      <a:prstDash val="solid"/>
-                      <a:round/>
-                      <a:headEnd type="none" w="med" len="med"/>
-                      <a:tailEnd type="none" w="med" len="med"/>
-                    </a:lnB>
-                    <a:solidFill>
-                      <a:schemeClr val="accent1">
-                        <a:lumMod val="20000"/>
-                        <a:lumOff val="80000"/>
-                      </a:schemeClr>
-                    </a:solidFill>
-                  </a:tcPr>
-                </a:tc>
-                <a:tc gridSpan="2">
-                  <a:txBody>
-                    <a:bodyPr/>
-                    <a:lstStyle/>
-                    <a:p>
-                      <a:pPr rtl="0" fontAlgn="t">
-                        <a:spcBef>
-                          <a:spcPts val="0"/>
-                        </a:spcBef>
-                        <a:spcAft>
-                          <a:spcPts val="0"/>
-                        </a:spcAft>
-                      </a:pPr>
-                      <a:endParaRPr lang="ko-KR" altLang="en-US" sz="1100" b="0" i="0" u="none" strike="noStrike" kern="1200" dirty="0">
-                        <a:solidFill>
-                          <a:srgbClr val="000000"/>
-                        </a:solidFill>
-                        <a:effectLst/>
-                        <a:latin typeface="+mn-lt"/>
-                        <a:ea typeface="+mn-ea"/>
-                        <a:cs typeface="+mn-cs"/>
-                      </a:endParaRPr>
-                    </a:p>
-                  </a:txBody>
-                  <a:tcPr marL="63500" marR="63500" marT="63500" marB="63500">
-                    <a:lnL w="12700" cap="flat" cmpd="sng" algn="ctr">
-                      <a:solidFill>
-                        <a:schemeClr val="bg1">
-                          <a:lumMod val="75000"/>
-                        </a:schemeClr>
-                      </a:solidFill>
-                      <a:prstDash val="solid"/>
-                      <a:round/>
-                      <a:headEnd type="none" w="med" len="med"/>
-                      <a:tailEnd type="none" w="med" len="med"/>
-                    </a:lnL>
-                    <a:lnR w="12700" cap="flat" cmpd="sng" algn="ctr">
-                      <a:noFill/>
-                      <a:prstDash val="solid"/>
-                      <a:round/>
-                      <a:headEnd type="none" w="med" len="med"/>
-                      <a:tailEnd type="none" w="med" len="med"/>
-                    </a:lnR>
-                    <a:lnT w="12700" cap="flat" cmpd="sng" algn="ctr">
-                      <a:solidFill>
-                        <a:schemeClr val="bg1">
-                          <a:lumMod val="75000"/>
-                        </a:schemeClr>
-                      </a:solidFill>
-                      <a:prstDash val="solid"/>
-                      <a:round/>
-                      <a:headEnd type="none" w="med" len="med"/>
-                      <a:tailEnd type="none" w="med" len="med"/>
-                    </a:lnT>
-                    <a:lnB w="12700" cap="flat" cmpd="sng" algn="ctr">
-                      <a:solidFill>
-                        <a:schemeClr val="tx1"/>
-                      </a:solidFill>
-                      <a:prstDash val="solid"/>
-                      <a:round/>
-                      <a:headEnd type="none" w="med" len="med"/>
-                      <a:tailEnd type="none" w="med" len="med"/>
-                    </a:lnB>
-                    <a:solidFill>
-                      <a:schemeClr val="bg1"/>
-                    </a:solidFill>
-                  </a:tcPr>
-                </a:tc>
-                <a:tc hMerge="1">
-                  <a:txBody>
-                    <a:bodyPr/>
-                    <a:lstStyle/>
-                    <a:p>
-                      <a:pPr latinLnBrk="1"/>
-                      <a:endParaRPr lang="ko-KR" altLang="en-US"/>
-                    </a:p>
-                  </a:txBody>
-                  <a:tcPr>
-                    <a:lnL w="12700" cap="flat" cmpd="sng" algn="ctr">
-                      <a:solidFill>
-                        <a:schemeClr val="bg1">
-                          <a:lumMod val="75000"/>
-                        </a:schemeClr>
-                      </a:solidFill>
-                      <a:prstDash val="solid"/>
-                      <a:round/>
-                      <a:headEnd type="none" w="med" len="med"/>
-                      <a:tailEnd type="none" w="med" len="med"/>
-                    </a:lnL>
-                    <a:lnR w="12700" cap="flat" cmpd="sng" algn="ctr">
-                      <a:noFill/>
-                      <a:prstDash val="solid"/>
-                      <a:round/>
-                      <a:headEnd type="none" w="med" len="med"/>
-                      <a:tailEnd type="none" w="med" len="med"/>
-                    </a:lnR>
-                    <a:lnT w="12700" cap="flat" cmpd="sng" algn="ctr">
-                      <a:solidFill>
-                        <a:schemeClr val="bg1">
-                          <a:lumMod val="75000"/>
-                        </a:schemeClr>
-                      </a:solidFill>
-                      <a:prstDash val="solid"/>
-                      <a:round/>
-                      <a:headEnd type="none" w="med" len="med"/>
-                      <a:tailEnd type="none" w="med" len="med"/>
-                    </a:lnT>
-                    <a:lnB w="12700" cap="flat" cmpd="sng" algn="ctr">
-                      <a:solidFill>
-                        <a:schemeClr val="bg1">
-                          <a:lumMod val="75000"/>
-                        </a:schemeClr>
-                      </a:solidFill>
-                      <a:prstDash val="solid"/>
-                      <a:round/>
-                      <a:headEnd type="none" w="med" len="med"/>
-                      <a:tailEnd type="none" w="med" len="med"/>
-                    </a:lnB>
-                    <a:solidFill>
-                      <a:schemeClr val="bg1"/>
-                    </a:solidFill>
-                  </a:tcPr>
-                </a:tc>
-                <a:extLst>
-                  <a:ext uri="{0D108BD9-81ED-4DB2-BD59-A6C34878D82A}">
-                    <a16:rowId xmlns:a16="http://schemas.microsoft.com/office/drawing/2014/main" val="339869374"/>
                   </a:ext>
                 </a:extLst>
               </a:tr>
